--- a/Clustering_no_R_Evaristo.pptx
+++ b/Clustering_no_R_Evaristo.pptx
@@ -239,7 +239,7 @@
           <a:p>
             <a:fld id="{92B06305-3C92-4ABA-A0D7-26DA346E0EA8}" type="datetimeFigureOut">
               <a:rPr lang="pt-BR" smtClean="0"/>
-              <a:t>03/06/2019</a:t>
+              <a:t>05/06/2019</a:t>
             </a:fld>
             <a:endParaRPr lang="pt-BR"/>
           </a:p>
@@ -769,7 +769,7 @@
           <a:p>
             <a:fld id="{1E11111B-F709-4946-B1E7-85BF18FD7DEF}" type="datetimeFigureOut">
               <a:rPr lang="pt-BR" smtClean="0"/>
-              <a:t>03/06/2019</a:t>
+              <a:t>05/06/2019</a:t>
             </a:fld>
             <a:endParaRPr lang="pt-BR"/>
           </a:p>
@@ -937,7 +937,7 @@
           <a:p>
             <a:fld id="{1E11111B-F709-4946-B1E7-85BF18FD7DEF}" type="datetimeFigureOut">
               <a:rPr lang="pt-BR" smtClean="0"/>
-              <a:t>03/06/2019</a:t>
+              <a:t>05/06/2019</a:t>
             </a:fld>
             <a:endParaRPr lang="pt-BR"/>
           </a:p>
@@ -1115,7 +1115,7 @@
           <a:p>
             <a:fld id="{1E11111B-F709-4946-B1E7-85BF18FD7DEF}" type="datetimeFigureOut">
               <a:rPr lang="pt-BR" smtClean="0"/>
-              <a:t>03/06/2019</a:t>
+              <a:t>05/06/2019</a:t>
             </a:fld>
             <a:endParaRPr lang="pt-BR"/>
           </a:p>
@@ -1283,7 +1283,7 @@
           <a:p>
             <a:fld id="{1E11111B-F709-4946-B1E7-85BF18FD7DEF}" type="datetimeFigureOut">
               <a:rPr lang="pt-BR" smtClean="0"/>
-              <a:t>03/06/2019</a:t>
+              <a:t>05/06/2019</a:t>
             </a:fld>
             <a:endParaRPr lang="pt-BR"/>
           </a:p>
@@ -1528,7 +1528,7 @@
           <a:p>
             <a:fld id="{1E11111B-F709-4946-B1E7-85BF18FD7DEF}" type="datetimeFigureOut">
               <a:rPr lang="pt-BR" smtClean="0"/>
-              <a:t>03/06/2019</a:t>
+              <a:t>05/06/2019</a:t>
             </a:fld>
             <a:endParaRPr lang="pt-BR"/>
           </a:p>
@@ -1813,7 +1813,7 @@
           <a:p>
             <a:fld id="{1E11111B-F709-4946-B1E7-85BF18FD7DEF}" type="datetimeFigureOut">
               <a:rPr lang="pt-BR" smtClean="0"/>
-              <a:t>03/06/2019</a:t>
+              <a:t>05/06/2019</a:t>
             </a:fld>
             <a:endParaRPr lang="pt-BR"/>
           </a:p>
@@ -2232,7 +2232,7 @@
           <a:p>
             <a:fld id="{1E11111B-F709-4946-B1E7-85BF18FD7DEF}" type="datetimeFigureOut">
               <a:rPr lang="pt-BR" smtClean="0"/>
-              <a:t>03/06/2019</a:t>
+              <a:t>05/06/2019</a:t>
             </a:fld>
             <a:endParaRPr lang="pt-BR"/>
           </a:p>
@@ -2349,7 +2349,7 @@
           <a:p>
             <a:fld id="{1E11111B-F709-4946-B1E7-85BF18FD7DEF}" type="datetimeFigureOut">
               <a:rPr lang="pt-BR" smtClean="0"/>
-              <a:t>03/06/2019</a:t>
+              <a:t>05/06/2019</a:t>
             </a:fld>
             <a:endParaRPr lang="pt-BR"/>
           </a:p>
@@ -2444,7 +2444,7 @@
           <a:p>
             <a:fld id="{1E11111B-F709-4946-B1E7-85BF18FD7DEF}" type="datetimeFigureOut">
               <a:rPr lang="pt-BR" smtClean="0"/>
-              <a:t>03/06/2019</a:t>
+              <a:t>05/06/2019</a:t>
             </a:fld>
             <a:endParaRPr lang="pt-BR"/>
           </a:p>
@@ -2719,7 +2719,7 @@
           <a:p>
             <a:fld id="{1E11111B-F709-4946-B1E7-85BF18FD7DEF}" type="datetimeFigureOut">
               <a:rPr lang="pt-BR" smtClean="0"/>
-              <a:t>03/06/2019</a:t>
+              <a:t>05/06/2019</a:t>
             </a:fld>
             <a:endParaRPr lang="pt-BR"/>
           </a:p>
@@ -2971,7 +2971,7 @@
           <a:p>
             <a:fld id="{1E11111B-F709-4946-B1E7-85BF18FD7DEF}" type="datetimeFigureOut">
               <a:rPr lang="pt-BR" smtClean="0"/>
-              <a:t>03/06/2019</a:t>
+              <a:t>05/06/2019</a:t>
             </a:fld>
             <a:endParaRPr lang="pt-BR"/>
           </a:p>
@@ -3182,7 +3182,7 @@
           <a:p>
             <a:fld id="{1E11111B-F709-4946-B1E7-85BF18FD7DEF}" type="datetimeFigureOut">
               <a:rPr lang="pt-BR" smtClean="0"/>
-              <a:t>03/06/2019</a:t>
+              <a:t>05/06/2019</a:t>
             </a:fld>
             <a:endParaRPr lang="pt-BR"/>
           </a:p>
@@ -5728,19 +5728,7 @@
               <a:rPr lang="pt-BR" dirty="0">
                 <a:cs typeface="Calibri"/>
               </a:rPr>
-              <a:t>Tem o objetivo de substituir um conjunto de </a:t>
-            </a:r>
-            <a:r>
-              <a:rPr lang="pt-BR" dirty="0" err="1">
-                <a:cs typeface="Calibri"/>
-              </a:rPr>
-              <a:t>varios</a:t>
-            </a:r>
-            <a:r>
-              <a:rPr lang="pt-BR" dirty="0">
-                <a:cs typeface="Calibri"/>
-              </a:rPr>
-              <a:t> atributos em um único valor, conhecido como coordenada discriminante.</a:t>
+              <a:t>Tem o objetivo de substituir um conjunto de vários atributos em um único valor, conhecido como coordenada discriminante.</a:t>
             </a:r>
           </a:p>
           <a:p>
